--- a/Udacity Course/SQL- Joins & Aggregations.pptx
+++ b/Udacity Course/SQL- Joins & Aggregations.pptx
@@ -272,7 +272,7 @@
           <a:p>
             <a:fld id="{D8A3F47D-4C7F-4772-9A7F-356D761381A0}" type="datetimeFigureOut">
               <a:rPr lang="en-US" smtClean="0"/>
-              <a:t>7/10/2020</a:t>
+              <a:t>7/13/2020</a:t>
             </a:fld>
             <a:endParaRPr lang="en-US"/>
           </a:p>
@@ -1135,7 +1135,7 @@
           <a:p>
             <a:fld id="{E760A38C-AB3E-443A-A1E5-6FF94D9DFA33}" type="datetimeFigureOut">
               <a:rPr lang="en-US" smtClean="0"/>
-              <a:t>7/10/2020</a:t>
+              <a:t>7/13/2020</a:t>
             </a:fld>
             <a:endParaRPr lang="en-US"/>
           </a:p>
@@ -1333,7 +1333,7 @@
           <a:p>
             <a:fld id="{E760A38C-AB3E-443A-A1E5-6FF94D9DFA33}" type="datetimeFigureOut">
               <a:rPr lang="en-US" smtClean="0"/>
-              <a:t>7/10/2020</a:t>
+              <a:t>7/13/2020</a:t>
             </a:fld>
             <a:endParaRPr lang="en-US"/>
           </a:p>
@@ -1541,7 +1541,7 @@
           <a:p>
             <a:fld id="{E760A38C-AB3E-443A-A1E5-6FF94D9DFA33}" type="datetimeFigureOut">
               <a:rPr lang="en-US" smtClean="0"/>
-              <a:t>7/10/2020</a:t>
+              <a:t>7/13/2020</a:t>
             </a:fld>
             <a:endParaRPr lang="en-US"/>
           </a:p>
@@ -1739,7 +1739,7 @@
           <a:p>
             <a:fld id="{E760A38C-AB3E-443A-A1E5-6FF94D9DFA33}" type="datetimeFigureOut">
               <a:rPr lang="en-US" smtClean="0"/>
-              <a:t>7/10/2020</a:t>
+              <a:t>7/13/2020</a:t>
             </a:fld>
             <a:endParaRPr lang="en-US"/>
           </a:p>
@@ -2014,7 +2014,7 @@
           <a:p>
             <a:fld id="{E760A38C-AB3E-443A-A1E5-6FF94D9DFA33}" type="datetimeFigureOut">
               <a:rPr lang="en-US" smtClean="0"/>
-              <a:t>7/10/2020</a:t>
+              <a:t>7/13/2020</a:t>
             </a:fld>
             <a:endParaRPr lang="en-US"/>
           </a:p>
@@ -2279,7 +2279,7 @@
           <a:p>
             <a:fld id="{E760A38C-AB3E-443A-A1E5-6FF94D9DFA33}" type="datetimeFigureOut">
               <a:rPr lang="en-US" smtClean="0"/>
-              <a:t>7/10/2020</a:t>
+              <a:t>7/13/2020</a:t>
             </a:fld>
             <a:endParaRPr lang="en-US"/>
           </a:p>
@@ -2691,7 +2691,7 @@
           <a:p>
             <a:fld id="{E760A38C-AB3E-443A-A1E5-6FF94D9DFA33}" type="datetimeFigureOut">
               <a:rPr lang="en-US" smtClean="0"/>
-              <a:t>7/10/2020</a:t>
+              <a:t>7/13/2020</a:t>
             </a:fld>
             <a:endParaRPr lang="en-US"/>
           </a:p>
@@ -2832,7 +2832,7 @@
           <a:p>
             <a:fld id="{E760A38C-AB3E-443A-A1E5-6FF94D9DFA33}" type="datetimeFigureOut">
               <a:rPr lang="en-US" smtClean="0"/>
-              <a:t>7/10/2020</a:t>
+              <a:t>7/13/2020</a:t>
             </a:fld>
             <a:endParaRPr lang="en-US"/>
           </a:p>
@@ -2945,7 +2945,7 @@
           <a:p>
             <a:fld id="{E760A38C-AB3E-443A-A1E5-6FF94D9DFA33}" type="datetimeFigureOut">
               <a:rPr lang="en-US" smtClean="0"/>
-              <a:t>7/10/2020</a:t>
+              <a:t>7/13/2020</a:t>
             </a:fld>
             <a:endParaRPr lang="en-US"/>
           </a:p>
@@ -3256,7 +3256,7 @@
           <a:p>
             <a:fld id="{E760A38C-AB3E-443A-A1E5-6FF94D9DFA33}" type="datetimeFigureOut">
               <a:rPr lang="en-US" smtClean="0"/>
-              <a:t>7/10/2020</a:t>
+              <a:t>7/13/2020</a:t>
             </a:fld>
             <a:endParaRPr lang="en-US"/>
           </a:p>
@@ -3544,7 +3544,7 @@
           <a:p>
             <a:fld id="{E760A38C-AB3E-443A-A1E5-6FF94D9DFA33}" type="datetimeFigureOut">
               <a:rPr lang="en-US" smtClean="0"/>
-              <a:t>7/10/2020</a:t>
+              <a:t>7/13/2020</a:t>
             </a:fld>
             <a:endParaRPr lang="en-US"/>
           </a:p>
@@ -3785,7 +3785,7 @@
           <a:p>
             <a:fld id="{E760A38C-AB3E-443A-A1E5-6FF94D9DFA33}" type="datetimeFigureOut">
               <a:rPr lang="en-US" smtClean="0"/>
-              <a:t>7/10/2020</a:t>
+              <a:t>7/13/2020</a:t>
             </a:fld>
             <a:endParaRPr lang="en-US"/>
           </a:p>
